--- a/auca/Sem-3/softwareEngineering/Lecture/Lecture 2_Software Process and Software Process Models_.pptx
+++ b/auca/Sem-3/softwareEngineering/Lecture/Lecture 2_Software Process and Software Process Models_.pptx
@@ -250,7 +250,7 @@
           <a:p>
             <a:fld id="{D6D19A96-3D4C-446E-A047-0976CF92EEAE}" type="datetimeFigureOut">
               <a:rPr lang="en-US" smtClean="0"/>
-              <a:t>10/1/2025</a:t>
+              <a:t>10/26/2025</a:t>
             </a:fld>
             <a:endParaRPr lang="en-US"/>
           </a:p>
@@ -664,7 +664,7 @@
           <a:p>
             <a:fld id="{1D8BD707-D9CF-40AE-B4C6-C98DA3205C09}" type="datetimeFigureOut">
               <a:rPr lang="en-US" smtClean="0"/>
-              <a:t>10/1/2025</a:t>
+              <a:t>10/26/2025</a:t>
             </a:fld>
             <a:endParaRPr lang="en-US"/>
           </a:p>
@@ -862,7 +862,7 @@
           <a:p>
             <a:fld id="{1D8BD707-D9CF-40AE-B4C6-C98DA3205C09}" type="datetimeFigureOut">
               <a:rPr lang="en-US" smtClean="0"/>
-              <a:t>10/1/2025</a:t>
+              <a:t>10/26/2025</a:t>
             </a:fld>
             <a:endParaRPr lang="en-US"/>
           </a:p>
@@ -1070,7 +1070,7 @@
           <a:p>
             <a:fld id="{1D8BD707-D9CF-40AE-B4C6-C98DA3205C09}" type="datetimeFigureOut">
               <a:rPr lang="en-US" smtClean="0"/>
-              <a:t>10/1/2025</a:t>
+              <a:t>10/26/2025</a:t>
             </a:fld>
             <a:endParaRPr lang="en-US"/>
           </a:p>
@@ -1336,7 +1336,7 @@
           <a:p>
             <a:fld id="{1D8BD707-D9CF-40AE-B4C6-C98DA3205C09}" type="datetimeFigureOut">
               <a:rPr lang="en-US"/>
-              <a:t>10/1/2025</a:t>
+              <a:t>10/26/2025</a:t>
             </a:fld>
             <a:endParaRPr lang="en-US"/>
           </a:p>
@@ -1574,7 +1574,7 @@
           <a:p>
             <a:fld id="{4B4534E0-D0B8-4B3A-9724-30E0B5D84BB1}" type="datetime1">
               <a:rPr lang="en-US" smtClean="0"/>
-              <a:t>10/1/2025</a:t>
+              <a:t>10/26/2025</a:t>
             </a:fld>
             <a:endParaRPr lang="en-US"/>
           </a:p>
@@ -1744,7 +1744,7 @@
           <a:p>
             <a:fld id="{1D8BD707-D9CF-40AE-B4C6-C98DA3205C09}" type="datetimeFigureOut">
               <a:rPr lang="en-US" smtClean="0"/>
-              <a:t>10/1/2025</a:t>
+              <a:t>10/26/2025</a:t>
             </a:fld>
             <a:endParaRPr lang="en-US"/>
           </a:p>
@@ -2007,7 +2007,7 @@
           <a:p>
             <a:fld id="{1D8BD707-D9CF-40AE-B4C6-C98DA3205C09}" type="datetimeFigureOut">
               <a:rPr lang="en-US" smtClean="0"/>
-              <a:t>10/1/2025</a:t>
+              <a:t>10/26/2025</a:t>
             </a:fld>
             <a:endParaRPr lang="en-US"/>
           </a:p>
@@ -2272,7 +2272,7 @@
           <a:p>
             <a:fld id="{1D8BD707-D9CF-40AE-B4C6-C98DA3205C09}" type="datetimeFigureOut">
               <a:rPr lang="en-US" smtClean="0"/>
-              <a:t>10/1/2025</a:t>
+              <a:t>10/26/2025</a:t>
             </a:fld>
             <a:endParaRPr lang="en-US"/>
           </a:p>
@@ -2684,7 +2684,7 @@
           <a:p>
             <a:fld id="{1D8BD707-D9CF-40AE-B4C6-C98DA3205C09}" type="datetimeFigureOut">
               <a:rPr lang="en-US" smtClean="0"/>
-              <a:t>10/1/2025</a:t>
+              <a:t>10/26/2025</a:t>
             </a:fld>
             <a:endParaRPr lang="en-US"/>
           </a:p>
@@ -2825,7 +2825,7 @@
           <a:p>
             <a:fld id="{1D8BD707-D9CF-40AE-B4C6-C98DA3205C09}" type="datetimeFigureOut">
               <a:rPr lang="en-US" smtClean="0"/>
-              <a:t>10/1/2025</a:t>
+              <a:t>10/26/2025</a:t>
             </a:fld>
             <a:endParaRPr lang="en-US"/>
           </a:p>
@@ -2938,7 +2938,7 @@
           <a:p>
             <a:fld id="{1D8BD707-D9CF-40AE-B4C6-C98DA3205C09}" type="datetimeFigureOut">
               <a:rPr lang="en-US" smtClean="0"/>
-              <a:t>10/1/2025</a:t>
+              <a:t>10/26/2025</a:t>
             </a:fld>
             <a:endParaRPr lang="en-US"/>
           </a:p>
@@ -3249,7 +3249,7 @@
           <a:p>
             <a:fld id="{1D8BD707-D9CF-40AE-B4C6-C98DA3205C09}" type="datetimeFigureOut">
               <a:rPr lang="en-US" smtClean="0"/>
-              <a:t>10/1/2025</a:t>
+              <a:t>10/26/2025</a:t>
             </a:fld>
             <a:endParaRPr lang="en-US"/>
           </a:p>
@@ -3537,7 +3537,7 @@
           <a:p>
             <a:fld id="{1D8BD707-D9CF-40AE-B4C6-C98DA3205C09}" type="datetimeFigureOut">
               <a:rPr lang="en-US" smtClean="0"/>
-              <a:t>10/1/2025</a:t>
+              <a:t>10/26/2025</a:t>
             </a:fld>
             <a:endParaRPr lang="en-US"/>
           </a:p>
@@ -3787,7 +3787,7 @@
           <a:p>
             <a:fld id="{1D8BD707-D9CF-40AE-B4C6-C98DA3205C09}" type="datetimeFigureOut">
               <a:rPr lang="en-US" smtClean="0"/>
-              <a:t>10/1/2025</a:t>
+              <a:t>10/26/2025</a:t>
             </a:fld>
             <a:endParaRPr lang="en-US"/>
           </a:p>
@@ -5646,6 +5646,13 @@
   <p:clrMapOvr>
     <a:masterClrMapping/>
   </p:clrMapOvr>
+  <p:timing>
+    <p:tnLst>
+      <p:par>
+        <p:cTn id="1" dur="indefinite" restart="never" nodeType="tmRoot"/>
+      </p:par>
+    </p:tnLst>
+  </p:timing>
 </p:sld>
 </file>
 
@@ -5735,7 +5742,7 @@
         <p:spPr>
           <a:xfrm>
             <a:off x="2311400" y="3200400"/>
-            <a:ext cx="8288754" cy="2481363"/>
+            <a:ext cx="8288754" cy="2973805"/>
           </a:xfrm>
           <a:prstGeom prst="rect">
             <a:avLst/>
@@ -5870,7 +5877,56 @@
               <a:t> </a:t>
             </a:r>
             <a:r>
-              <a:rPr sz="3200" spc="-14" dirty="0">
+              <a:rPr sz="3200" spc="-14" dirty="0" smtClean="0">
+                <a:solidFill>
+                  <a:schemeClr val="bg1"/>
+                </a:solidFill>
+                <a:latin typeface="Calibri"/>
+                <a:cs typeface="Calibri"/>
+              </a:rPr>
+              <a:t>Requirement</a:t>
+            </a:r>
+            <a:r>
+              <a:rPr lang="en-US" sz="3200" spc="-14" dirty="0" smtClean="0">
+                <a:solidFill>
+                  <a:schemeClr val="bg1"/>
+                </a:solidFill>
+                <a:latin typeface="Calibri"/>
+                <a:cs typeface="Calibri"/>
+              </a:rPr>
+              <a:t>s</a:t>
+            </a:r>
+          </a:p>
+          <a:p>
+            <a:pPr marL="350400" marR="7225" indent="-333243">
+              <a:buFont typeface="Arial MT"/>
+              <a:buChar char="•"/>
+              <a:tabLst>
+                <a:tab pos="1318522" algn="l"/>
+              </a:tabLst>
+            </a:pPr>
+            <a:r>
+              <a:rPr sz="3200" dirty="0" smtClean="0">
+                <a:solidFill>
+                  <a:schemeClr val="bg1"/>
+                </a:solidFill>
+                <a:latin typeface="Calibri"/>
+                <a:cs typeface="Calibri"/>
+              </a:rPr>
+              <a:t>Functional</a:t>
+            </a:r>
+            <a:r>
+              <a:rPr sz="3200" spc="-171" dirty="0" smtClean="0">
+                <a:solidFill>
+                  <a:schemeClr val="bg1"/>
+                </a:solidFill>
+                <a:latin typeface="Calibri"/>
+                <a:cs typeface="Calibri"/>
+              </a:rPr>
+              <a:t> </a:t>
+            </a:r>
+            <a:r>
+              <a:rPr sz="3200" spc="-14" dirty="0" smtClean="0">
                 <a:solidFill>
                   <a:schemeClr val="bg1"/>
                 </a:solidFill>
@@ -5879,48 +5935,34 @@
               </a:rPr>
               <a:t>Requirements</a:t>
             </a:r>
-            <a:r>
-              <a:rPr sz="3200" spc="1138" dirty="0">
-                <a:solidFill>
-                  <a:schemeClr val="bg1"/>
-                </a:solidFill>
-                <a:latin typeface="Calibri"/>
-                <a:cs typeface="Calibri"/>
-              </a:rPr>
-              <a:t> 	</a:t>
-            </a:r>
-            <a:r>
-              <a:rPr sz="3200" dirty="0">
-                <a:solidFill>
-                  <a:schemeClr val="bg1"/>
-                </a:solidFill>
-                <a:latin typeface="Calibri"/>
-                <a:cs typeface="Calibri"/>
-              </a:rPr>
-              <a:t>Functional</a:t>
-            </a:r>
-            <a:r>
-              <a:rPr sz="3200" spc="-171" dirty="0">
-                <a:solidFill>
-                  <a:schemeClr val="bg1"/>
-                </a:solidFill>
-                <a:latin typeface="Calibri"/>
-                <a:cs typeface="Calibri"/>
-              </a:rPr>
-              <a:t> </a:t>
-            </a:r>
-            <a:r>
-              <a:rPr sz="3200" spc="-14" dirty="0">
-                <a:solidFill>
-                  <a:schemeClr val="bg1"/>
-                </a:solidFill>
-                <a:latin typeface="Calibri"/>
-                <a:cs typeface="Calibri"/>
-              </a:rPr>
-              <a:t>Requirements 	Non-</a:t>
-            </a:r>
-            <a:r>
-              <a:rPr sz="3200" dirty="0">
+            <a:endParaRPr lang="en-US" sz="3200" spc="-14" dirty="0" smtClean="0">
+              <a:solidFill>
+                <a:schemeClr val="bg1"/>
+              </a:solidFill>
+              <a:latin typeface="Calibri"/>
+              <a:cs typeface="Calibri"/>
+            </a:endParaRPr>
+          </a:p>
+          <a:p>
+            <a:pPr marL="350400" marR="7225" indent="-333243">
+              <a:buFont typeface="Arial MT"/>
+              <a:buChar char="•"/>
+              <a:tabLst>
+                <a:tab pos="1318522" algn="l"/>
+              </a:tabLst>
+            </a:pPr>
+            <a:r>
+              <a:rPr sz="3200" spc="-14" dirty="0" smtClean="0">
+                <a:solidFill>
+                  <a:schemeClr val="bg1"/>
+                </a:solidFill>
+                <a:latin typeface="Calibri"/>
+                <a:cs typeface="Calibri"/>
+              </a:rPr>
+              <a:t>Non-</a:t>
+            </a:r>
+            <a:r>
+              <a:rPr sz="3200" dirty="0" smtClean="0">
                 <a:solidFill>
                   <a:schemeClr val="bg1"/>
                 </a:solidFill>
@@ -5930,7 +5972,7 @@
               <a:t>functional</a:t>
             </a:r>
             <a:r>
-              <a:rPr sz="3200" spc="-149" dirty="0">
+              <a:rPr sz="3200" spc="-149" dirty="0" smtClean="0">
                 <a:solidFill>
                   <a:schemeClr val="bg1"/>
                 </a:solidFill>
@@ -6010,6 +6052,13 @@
   <p:clrMapOvr>
     <a:masterClrMapping/>
   </p:clrMapOvr>
+  <p:timing>
+    <p:tnLst>
+      <p:par>
+        <p:cTn id="1" dur="indefinite" restart="never" nodeType="tmRoot"/>
+      </p:par>
+    </p:tnLst>
+  </p:timing>
 </p:sld>
 </file>
 
@@ -7135,6 +7184,13 @@
   <p:clrMapOvr>
     <a:masterClrMapping/>
   </p:clrMapOvr>
+  <p:timing>
+    <p:tnLst>
+      <p:par>
+        <p:cTn id="1" dur="indefinite" restart="never" nodeType="tmRoot"/>
+      </p:par>
+    </p:tnLst>
+  </p:timing>
 </p:sld>
 </file>
 
@@ -34522,6 +34578,13 @@
   <p:clrMapOvr>
     <a:masterClrMapping/>
   </p:clrMapOvr>
+  <p:timing>
+    <p:tnLst>
+      <p:par>
+        <p:cTn id="1" dur="indefinite" restart="never" nodeType="tmRoot"/>
+      </p:par>
+    </p:tnLst>
+  </p:timing>
 </p:sld>
 </file>
 
@@ -41603,6 +41666,13 @@
   <p:clrMapOvr>
     <a:masterClrMapping/>
   </p:clrMapOvr>
+  <p:timing>
+    <p:tnLst>
+      <p:par>
+        <p:cTn id="1" dur="indefinite" restart="never" nodeType="tmRoot"/>
+      </p:par>
+    </p:tnLst>
+  </p:timing>
 </p:sld>
 </file>
 
@@ -43706,6 +43776,13 @@
   <p:clrMapOvr>
     <a:masterClrMapping/>
   </p:clrMapOvr>
+  <p:timing>
+    <p:tnLst>
+      <p:par>
+        <p:cTn id="1" dur="indefinite" restart="never" nodeType="tmRoot"/>
+      </p:par>
+    </p:tnLst>
+  </p:timing>
 </p:sld>
 </file>
 
@@ -43872,6 +43949,13 @@
   <p:clrMapOvr>
     <a:masterClrMapping/>
   </p:clrMapOvr>
+  <p:timing>
+    <p:tnLst>
+      <p:par>
+        <p:cTn id="1" dur="indefinite" restart="never" nodeType="tmRoot"/>
+      </p:par>
+    </p:tnLst>
+  </p:timing>
 </p:sld>
 </file>
 
@@ -44415,6 +44499,13 @@
   <p:clrMapOvr>
     <a:masterClrMapping/>
   </p:clrMapOvr>
+  <p:timing>
+    <p:tnLst>
+      <p:par>
+        <p:cTn id="1" dur="indefinite" restart="never" nodeType="tmRoot"/>
+      </p:par>
+    </p:tnLst>
+  </p:timing>
 </p:sld>
 </file>
 
@@ -45730,6 +45821,13 @@
   <p:clrMapOvr>
     <a:masterClrMapping/>
   </p:clrMapOvr>
+  <p:timing>
+    <p:tnLst>
+      <p:par>
+        <p:cTn id="1" dur="indefinite" restart="never" nodeType="tmRoot"/>
+      </p:par>
+    </p:tnLst>
+  </p:timing>
 </p:sld>
 </file>
 
